--- a/syntactic analysis design.pptx
+++ b/syntactic analysis design.pptx
@@ -7,10 +7,10 @@
   <p:sldIdLst>
     <p:sldId id="256" r:id="rId2"/>
     <p:sldId id="264" r:id="rId3"/>
-    <p:sldId id="257" r:id="rId4"/>
-    <p:sldId id="258" r:id="rId5"/>
-    <p:sldId id="259" r:id="rId6"/>
-    <p:sldId id="260" r:id="rId7"/>
+    <p:sldId id="259" r:id="rId4"/>
+    <p:sldId id="260" r:id="rId5"/>
+    <p:sldId id="257" r:id="rId6"/>
+    <p:sldId id="258" r:id="rId7"/>
     <p:sldId id="261" r:id="rId8"/>
     <p:sldId id="262" r:id="rId9"/>
     <p:sldId id="263" r:id="rId10"/>
@@ -271,7 +271,7 @@
           <a:p>
             <a:fld id="{B8248D91-5226-428C-9960-7986E2C730AF}" type="datetimeFigureOut">
               <a:rPr lang="zh-CN" altLang="en-US" smtClean="0"/>
-              <a:t>2020/4/13</a:t>
+              <a:t>2020/4/14</a:t>
             </a:fld>
             <a:endParaRPr lang="zh-CN" altLang="en-US"/>
           </a:p>
@@ -469,7 +469,7 @@
           <a:p>
             <a:fld id="{B8248D91-5226-428C-9960-7986E2C730AF}" type="datetimeFigureOut">
               <a:rPr lang="zh-CN" altLang="en-US" smtClean="0"/>
-              <a:t>2020/4/13</a:t>
+              <a:t>2020/4/14</a:t>
             </a:fld>
             <a:endParaRPr lang="zh-CN" altLang="en-US"/>
           </a:p>
@@ -677,7 +677,7 @@
           <a:p>
             <a:fld id="{B8248D91-5226-428C-9960-7986E2C730AF}" type="datetimeFigureOut">
               <a:rPr lang="zh-CN" altLang="en-US" smtClean="0"/>
-              <a:t>2020/4/13</a:t>
+              <a:t>2020/4/14</a:t>
             </a:fld>
             <a:endParaRPr lang="zh-CN" altLang="en-US"/>
           </a:p>
@@ -875,7 +875,7 @@
           <a:p>
             <a:fld id="{B8248D91-5226-428C-9960-7986E2C730AF}" type="datetimeFigureOut">
               <a:rPr lang="zh-CN" altLang="en-US" smtClean="0"/>
-              <a:t>2020/4/13</a:t>
+              <a:t>2020/4/14</a:t>
             </a:fld>
             <a:endParaRPr lang="zh-CN" altLang="en-US"/>
           </a:p>
@@ -1150,7 +1150,7 @@
           <a:p>
             <a:fld id="{B8248D91-5226-428C-9960-7986E2C730AF}" type="datetimeFigureOut">
               <a:rPr lang="zh-CN" altLang="en-US" smtClean="0"/>
-              <a:t>2020/4/13</a:t>
+              <a:t>2020/4/14</a:t>
             </a:fld>
             <a:endParaRPr lang="zh-CN" altLang="en-US"/>
           </a:p>
@@ -1415,7 +1415,7 @@
           <a:p>
             <a:fld id="{B8248D91-5226-428C-9960-7986E2C730AF}" type="datetimeFigureOut">
               <a:rPr lang="zh-CN" altLang="en-US" smtClean="0"/>
-              <a:t>2020/4/13</a:t>
+              <a:t>2020/4/14</a:t>
             </a:fld>
             <a:endParaRPr lang="zh-CN" altLang="en-US"/>
           </a:p>
@@ -1827,7 +1827,7 @@
           <a:p>
             <a:fld id="{B8248D91-5226-428C-9960-7986E2C730AF}" type="datetimeFigureOut">
               <a:rPr lang="zh-CN" altLang="en-US" smtClean="0"/>
-              <a:t>2020/4/13</a:t>
+              <a:t>2020/4/14</a:t>
             </a:fld>
             <a:endParaRPr lang="zh-CN" altLang="en-US"/>
           </a:p>
@@ -1968,7 +1968,7 @@
           <a:p>
             <a:fld id="{B8248D91-5226-428C-9960-7986E2C730AF}" type="datetimeFigureOut">
               <a:rPr lang="zh-CN" altLang="en-US" smtClean="0"/>
-              <a:t>2020/4/13</a:t>
+              <a:t>2020/4/14</a:t>
             </a:fld>
             <a:endParaRPr lang="zh-CN" altLang="en-US"/>
           </a:p>
@@ -2081,7 +2081,7 @@
           <a:p>
             <a:fld id="{B8248D91-5226-428C-9960-7986E2C730AF}" type="datetimeFigureOut">
               <a:rPr lang="zh-CN" altLang="en-US" smtClean="0"/>
-              <a:t>2020/4/13</a:t>
+              <a:t>2020/4/14</a:t>
             </a:fld>
             <a:endParaRPr lang="zh-CN" altLang="en-US"/>
           </a:p>
@@ -2392,7 +2392,7 @@
           <a:p>
             <a:fld id="{B8248D91-5226-428C-9960-7986E2C730AF}" type="datetimeFigureOut">
               <a:rPr lang="zh-CN" altLang="en-US" smtClean="0"/>
-              <a:t>2020/4/13</a:t>
+              <a:t>2020/4/14</a:t>
             </a:fld>
             <a:endParaRPr lang="zh-CN" altLang="en-US"/>
           </a:p>
@@ -2680,7 +2680,7 @@
           <a:p>
             <a:fld id="{B8248D91-5226-428C-9960-7986E2C730AF}" type="datetimeFigureOut">
               <a:rPr lang="zh-CN" altLang="en-US" smtClean="0"/>
-              <a:t>2020/4/13</a:t>
+              <a:t>2020/4/14</a:t>
             </a:fld>
             <a:endParaRPr lang="zh-CN" altLang="en-US"/>
           </a:p>
@@ -2921,7 +2921,7 @@
           <a:p>
             <a:fld id="{B8248D91-5226-428C-9960-7986E2C730AF}" type="datetimeFigureOut">
               <a:rPr lang="zh-CN" altLang="en-US" smtClean="0"/>
-              <a:t>2020/4/13</a:t>
+              <a:t>2020/4/14</a:t>
             </a:fld>
             <a:endParaRPr lang="zh-CN" altLang="en-US"/>
           </a:p>
@@ -3580,6 +3580,126 @@
       </p:grpSpPr>
       <p:pic>
         <p:nvPicPr>
+          <p:cNvPr id="13" name="图片 12">
+            <a:extLst>
+              <a:ext uri="{FF2B5EF4-FFF2-40B4-BE49-F238E27FC236}">
+                <a16:creationId xmlns:a16="http://schemas.microsoft.com/office/drawing/2014/main" id="{B9311E93-F7B3-4F2A-84AF-19CDA5DA2AC9}"/>
+              </a:ext>
+            </a:extLst>
+          </p:cNvPr>
+          <p:cNvPicPr>
+            <a:picLocks noChangeAspect="1"/>
+          </p:cNvPicPr>
+          <p:nvPr/>
+        </p:nvPicPr>
+        <p:blipFill>
+          <a:blip r:embed="rId2"/>
+          <a:stretch>
+            <a:fillRect/>
+          </a:stretch>
+        </p:blipFill>
+        <p:spPr>
+          <a:xfrm>
+            <a:off x="1618100" y="966002"/>
+            <a:ext cx="8955800" cy="4925995"/>
+          </a:xfrm>
+          <a:prstGeom prst="rect">
+            <a:avLst/>
+          </a:prstGeom>
+        </p:spPr>
+      </p:pic>
+    </p:spTree>
+    <p:extLst>
+      <p:ext uri="{BB962C8B-B14F-4D97-AF65-F5344CB8AC3E}">
+        <p14:creationId xmlns:p14="http://schemas.microsoft.com/office/powerpoint/2010/main" val="584503625"/>
+      </p:ext>
+    </p:extLst>
+  </p:cSld>
+  <p:clrMapOvr>
+    <a:masterClrMapping/>
+  </p:clrMapOvr>
+</p:sld>
+</file>
+
+<file path=ppt/slides/slide4.xml><?xml version="1.0" encoding="utf-8"?>
+<p:sld xmlns:a="http://schemas.openxmlformats.org/drawingml/2006/main" xmlns:r="http://schemas.openxmlformats.org/officeDocument/2006/relationships" xmlns:p="http://schemas.openxmlformats.org/presentationml/2006/main">
+  <p:cSld>
+    <p:spTree>
+      <p:nvGrpSpPr>
+        <p:cNvPr id="1" name=""/>
+        <p:cNvGrpSpPr/>
+        <p:nvPr/>
+      </p:nvGrpSpPr>
+      <p:grpSpPr>
+        <a:xfrm>
+          <a:off x="0" y="0"/>
+          <a:ext cx="0" cy="0"/>
+          <a:chOff x="0" y="0"/>
+          <a:chExt cx="0" cy="0"/>
+        </a:xfrm>
+      </p:grpSpPr>
+      <p:pic>
+        <p:nvPicPr>
+          <p:cNvPr id="4" name="图片 3">
+            <a:extLst>
+              <a:ext uri="{FF2B5EF4-FFF2-40B4-BE49-F238E27FC236}">
+                <a16:creationId xmlns:a16="http://schemas.microsoft.com/office/drawing/2014/main" id="{1F5E2E4E-2DF8-48E8-9592-DB9D3A133EED}"/>
+              </a:ext>
+            </a:extLst>
+          </p:cNvPr>
+          <p:cNvPicPr>
+            <a:picLocks noChangeAspect="1"/>
+          </p:cNvPicPr>
+          <p:nvPr/>
+        </p:nvPicPr>
+        <p:blipFill>
+          <a:blip r:embed="rId2"/>
+          <a:stretch>
+            <a:fillRect/>
+          </a:stretch>
+        </p:blipFill>
+        <p:spPr>
+          <a:xfrm>
+            <a:off x="1743078" y="935520"/>
+            <a:ext cx="8705843" cy="4986960"/>
+          </a:xfrm>
+          <a:prstGeom prst="rect">
+            <a:avLst/>
+          </a:prstGeom>
+        </p:spPr>
+      </p:pic>
+    </p:spTree>
+    <p:extLst>
+      <p:ext uri="{BB962C8B-B14F-4D97-AF65-F5344CB8AC3E}">
+        <p14:creationId xmlns:p14="http://schemas.microsoft.com/office/powerpoint/2010/main" val="1565101925"/>
+      </p:ext>
+    </p:extLst>
+  </p:cSld>
+  <p:clrMapOvr>
+    <a:masterClrMapping/>
+  </p:clrMapOvr>
+</p:sld>
+</file>
+
+<file path=ppt/slides/slide5.xml><?xml version="1.0" encoding="utf-8"?>
+<p:sld xmlns:a="http://schemas.openxmlformats.org/drawingml/2006/main" xmlns:r="http://schemas.openxmlformats.org/officeDocument/2006/relationships" xmlns:p="http://schemas.openxmlformats.org/presentationml/2006/main">
+  <p:cSld>
+    <p:spTree>
+      <p:nvGrpSpPr>
+        <p:cNvPr id="1" name=""/>
+        <p:cNvGrpSpPr/>
+        <p:nvPr/>
+      </p:nvGrpSpPr>
+      <p:grpSpPr>
+        <a:xfrm>
+          <a:off x="0" y="0"/>
+          <a:ext cx="0" cy="0"/>
+          <a:chOff x="0" y="0"/>
+          <a:chExt cx="0" cy="0"/>
+        </a:xfrm>
+      </p:grpSpPr>
+      <p:pic>
+        <p:nvPicPr>
           <p:cNvPr id="51" name="图片 50">
             <a:extLst>
               <a:ext uri="{FF2B5EF4-FFF2-40B4-BE49-F238E27FC236}">
@@ -3621,7 +3741,7 @@
 </p:sld>
 </file>
 
-<file path=ppt/slides/slide4.xml><?xml version="1.0" encoding="utf-8"?>
+<file path=ppt/slides/slide6.xml><?xml version="1.0" encoding="utf-8"?>
 <p:sld xmlns:a="http://schemas.openxmlformats.org/drawingml/2006/main" xmlns:r="http://schemas.openxmlformats.org/officeDocument/2006/relationships" xmlns:p="http://schemas.openxmlformats.org/presentationml/2006/main">
   <p:cSld>
     <p:spTree>
@@ -3672,126 +3792,6 @@
     <p:extLst>
       <p:ext uri="{BB962C8B-B14F-4D97-AF65-F5344CB8AC3E}">
         <p14:creationId xmlns:p14="http://schemas.microsoft.com/office/powerpoint/2010/main" val="493224198"/>
-      </p:ext>
-    </p:extLst>
-  </p:cSld>
-  <p:clrMapOvr>
-    <a:masterClrMapping/>
-  </p:clrMapOvr>
-</p:sld>
-</file>
-
-<file path=ppt/slides/slide5.xml><?xml version="1.0" encoding="utf-8"?>
-<p:sld xmlns:a="http://schemas.openxmlformats.org/drawingml/2006/main" xmlns:r="http://schemas.openxmlformats.org/officeDocument/2006/relationships" xmlns:p="http://schemas.openxmlformats.org/presentationml/2006/main">
-  <p:cSld>
-    <p:spTree>
-      <p:nvGrpSpPr>
-        <p:cNvPr id="1" name=""/>
-        <p:cNvGrpSpPr/>
-        <p:nvPr/>
-      </p:nvGrpSpPr>
-      <p:grpSpPr>
-        <a:xfrm>
-          <a:off x="0" y="0"/>
-          <a:ext cx="0" cy="0"/>
-          <a:chOff x="0" y="0"/>
-          <a:chExt cx="0" cy="0"/>
-        </a:xfrm>
-      </p:grpSpPr>
-      <p:pic>
-        <p:nvPicPr>
-          <p:cNvPr id="13" name="图片 12">
-            <a:extLst>
-              <a:ext uri="{FF2B5EF4-FFF2-40B4-BE49-F238E27FC236}">
-                <a16:creationId xmlns:a16="http://schemas.microsoft.com/office/drawing/2014/main" id="{B9311E93-F7B3-4F2A-84AF-19CDA5DA2AC9}"/>
-              </a:ext>
-            </a:extLst>
-          </p:cNvPr>
-          <p:cNvPicPr>
-            <a:picLocks noChangeAspect="1"/>
-          </p:cNvPicPr>
-          <p:nvPr/>
-        </p:nvPicPr>
-        <p:blipFill>
-          <a:blip r:embed="rId2"/>
-          <a:stretch>
-            <a:fillRect/>
-          </a:stretch>
-        </p:blipFill>
-        <p:spPr>
-          <a:xfrm>
-            <a:off x="1618100" y="966002"/>
-            <a:ext cx="8955800" cy="4925995"/>
-          </a:xfrm>
-          <a:prstGeom prst="rect">
-            <a:avLst/>
-          </a:prstGeom>
-        </p:spPr>
-      </p:pic>
-    </p:spTree>
-    <p:extLst>
-      <p:ext uri="{BB962C8B-B14F-4D97-AF65-F5344CB8AC3E}">
-        <p14:creationId xmlns:p14="http://schemas.microsoft.com/office/powerpoint/2010/main" val="584503625"/>
-      </p:ext>
-    </p:extLst>
-  </p:cSld>
-  <p:clrMapOvr>
-    <a:masterClrMapping/>
-  </p:clrMapOvr>
-</p:sld>
-</file>
-
-<file path=ppt/slides/slide6.xml><?xml version="1.0" encoding="utf-8"?>
-<p:sld xmlns:a="http://schemas.openxmlformats.org/drawingml/2006/main" xmlns:r="http://schemas.openxmlformats.org/officeDocument/2006/relationships" xmlns:p="http://schemas.openxmlformats.org/presentationml/2006/main">
-  <p:cSld>
-    <p:spTree>
-      <p:nvGrpSpPr>
-        <p:cNvPr id="1" name=""/>
-        <p:cNvGrpSpPr/>
-        <p:nvPr/>
-      </p:nvGrpSpPr>
-      <p:grpSpPr>
-        <a:xfrm>
-          <a:off x="0" y="0"/>
-          <a:ext cx="0" cy="0"/>
-          <a:chOff x="0" y="0"/>
-          <a:chExt cx="0" cy="0"/>
-        </a:xfrm>
-      </p:grpSpPr>
-      <p:pic>
-        <p:nvPicPr>
-          <p:cNvPr id="4" name="图片 3">
-            <a:extLst>
-              <a:ext uri="{FF2B5EF4-FFF2-40B4-BE49-F238E27FC236}">
-                <a16:creationId xmlns:a16="http://schemas.microsoft.com/office/drawing/2014/main" id="{1F5E2E4E-2DF8-48E8-9592-DB9D3A133EED}"/>
-              </a:ext>
-            </a:extLst>
-          </p:cNvPr>
-          <p:cNvPicPr>
-            <a:picLocks noChangeAspect="1"/>
-          </p:cNvPicPr>
-          <p:nvPr/>
-        </p:nvPicPr>
-        <p:blipFill>
-          <a:blip r:embed="rId2"/>
-          <a:stretch>
-            <a:fillRect/>
-          </a:stretch>
-        </p:blipFill>
-        <p:spPr>
-          <a:xfrm>
-            <a:off x="1743078" y="935520"/>
-            <a:ext cx="8705843" cy="4986960"/>
-          </a:xfrm>
-          <a:prstGeom prst="rect">
-            <a:avLst/>
-          </a:prstGeom>
-        </p:spPr>
-      </p:pic>
-    </p:spTree>
-    <p:extLst>
-      <p:ext uri="{BB962C8B-B14F-4D97-AF65-F5344CB8AC3E}">
-        <p14:creationId xmlns:p14="http://schemas.microsoft.com/office/powerpoint/2010/main" val="1565101925"/>
       </p:ext>
     </p:extLst>
   </p:cSld>

--- a/syntactic analysis design.pptx
+++ b/syntactic analysis design.pptx
@@ -11,13 +11,12 @@
     <p:sldId id="260" r:id="rId5"/>
     <p:sldId id="257" r:id="rId6"/>
     <p:sldId id="258" r:id="rId7"/>
-    <p:sldId id="261" r:id="rId8"/>
-    <p:sldId id="262" r:id="rId9"/>
+    <p:sldId id="262" r:id="rId8"/>
+    <p:sldId id="265" r:id="rId9"/>
     <p:sldId id="263" r:id="rId10"/>
-    <p:sldId id="265" r:id="rId11"/>
-    <p:sldId id="266" r:id="rId12"/>
-    <p:sldId id="267" r:id="rId13"/>
-    <p:sldId id="268" r:id="rId14"/>
+    <p:sldId id="266" r:id="rId11"/>
+    <p:sldId id="267" r:id="rId12"/>
+    <p:sldId id="268" r:id="rId13"/>
   </p:sldIdLst>
   <p:sldSz cx="12192000" cy="6858000"/>
   <p:notesSz cx="6858000" cy="9144000"/>
@@ -271,7 +270,7 @@
           <a:p>
             <a:fld id="{B8248D91-5226-428C-9960-7986E2C730AF}" type="datetimeFigureOut">
               <a:rPr lang="zh-CN" altLang="en-US" smtClean="0"/>
-              <a:t>2020/4/14</a:t>
+              <a:t>2020/4/16</a:t>
             </a:fld>
             <a:endParaRPr lang="zh-CN" altLang="en-US"/>
           </a:p>
@@ -469,7 +468,7 @@
           <a:p>
             <a:fld id="{B8248D91-5226-428C-9960-7986E2C730AF}" type="datetimeFigureOut">
               <a:rPr lang="zh-CN" altLang="en-US" smtClean="0"/>
-              <a:t>2020/4/14</a:t>
+              <a:t>2020/4/16</a:t>
             </a:fld>
             <a:endParaRPr lang="zh-CN" altLang="en-US"/>
           </a:p>
@@ -677,7 +676,7 @@
           <a:p>
             <a:fld id="{B8248D91-5226-428C-9960-7986E2C730AF}" type="datetimeFigureOut">
               <a:rPr lang="zh-CN" altLang="en-US" smtClean="0"/>
-              <a:t>2020/4/14</a:t>
+              <a:t>2020/4/16</a:t>
             </a:fld>
             <a:endParaRPr lang="zh-CN" altLang="en-US"/>
           </a:p>
@@ -875,7 +874,7 @@
           <a:p>
             <a:fld id="{B8248D91-5226-428C-9960-7986E2C730AF}" type="datetimeFigureOut">
               <a:rPr lang="zh-CN" altLang="en-US" smtClean="0"/>
-              <a:t>2020/4/14</a:t>
+              <a:t>2020/4/16</a:t>
             </a:fld>
             <a:endParaRPr lang="zh-CN" altLang="en-US"/>
           </a:p>
@@ -1150,7 +1149,7 @@
           <a:p>
             <a:fld id="{B8248D91-5226-428C-9960-7986E2C730AF}" type="datetimeFigureOut">
               <a:rPr lang="zh-CN" altLang="en-US" smtClean="0"/>
-              <a:t>2020/4/14</a:t>
+              <a:t>2020/4/16</a:t>
             </a:fld>
             <a:endParaRPr lang="zh-CN" altLang="en-US"/>
           </a:p>
@@ -1415,7 +1414,7 @@
           <a:p>
             <a:fld id="{B8248D91-5226-428C-9960-7986E2C730AF}" type="datetimeFigureOut">
               <a:rPr lang="zh-CN" altLang="en-US" smtClean="0"/>
-              <a:t>2020/4/14</a:t>
+              <a:t>2020/4/16</a:t>
             </a:fld>
             <a:endParaRPr lang="zh-CN" altLang="en-US"/>
           </a:p>
@@ -1827,7 +1826,7 @@
           <a:p>
             <a:fld id="{B8248D91-5226-428C-9960-7986E2C730AF}" type="datetimeFigureOut">
               <a:rPr lang="zh-CN" altLang="en-US" smtClean="0"/>
-              <a:t>2020/4/14</a:t>
+              <a:t>2020/4/16</a:t>
             </a:fld>
             <a:endParaRPr lang="zh-CN" altLang="en-US"/>
           </a:p>
@@ -1968,7 +1967,7 @@
           <a:p>
             <a:fld id="{B8248D91-5226-428C-9960-7986E2C730AF}" type="datetimeFigureOut">
               <a:rPr lang="zh-CN" altLang="en-US" smtClean="0"/>
-              <a:t>2020/4/14</a:t>
+              <a:t>2020/4/16</a:t>
             </a:fld>
             <a:endParaRPr lang="zh-CN" altLang="en-US"/>
           </a:p>
@@ -2081,7 +2080,7 @@
           <a:p>
             <a:fld id="{B8248D91-5226-428C-9960-7986E2C730AF}" type="datetimeFigureOut">
               <a:rPr lang="zh-CN" altLang="en-US" smtClean="0"/>
-              <a:t>2020/4/14</a:t>
+              <a:t>2020/4/16</a:t>
             </a:fld>
             <a:endParaRPr lang="zh-CN" altLang="en-US"/>
           </a:p>
@@ -2392,7 +2391,7 @@
           <a:p>
             <a:fld id="{B8248D91-5226-428C-9960-7986E2C730AF}" type="datetimeFigureOut">
               <a:rPr lang="zh-CN" altLang="en-US" smtClean="0"/>
-              <a:t>2020/4/14</a:t>
+              <a:t>2020/4/16</a:t>
             </a:fld>
             <a:endParaRPr lang="zh-CN" altLang="en-US"/>
           </a:p>
@@ -2680,7 +2679,7 @@
           <a:p>
             <a:fld id="{B8248D91-5226-428C-9960-7986E2C730AF}" type="datetimeFigureOut">
               <a:rPr lang="zh-CN" altLang="en-US" smtClean="0"/>
-              <a:t>2020/4/14</a:t>
+              <a:t>2020/4/16</a:t>
             </a:fld>
             <a:endParaRPr lang="zh-CN" altLang="en-US"/>
           </a:p>
@@ -2921,7 +2920,7 @@
           <a:p>
             <a:fld id="{B8248D91-5226-428C-9960-7986E2C730AF}" type="datetimeFigureOut">
               <a:rPr lang="zh-CN" altLang="en-US" smtClean="0"/>
-              <a:t>2020/4/14</a:t>
+              <a:t>2020/4/16</a:t>
             </a:fld>
             <a:endParaRPr lang="zh-CN" altLang="en-US"/>
           </a:p>
@@ -3401,7 +3400,7 @@
     </p:spTree>
     <p:extLst>
       <p:ext uri="{BB962C8B-B14F-4D97-AF65-F5344CB8AC3E}">
-        <p14:creationId xmlns:p14="http://schemas.microsoft.com/office/powerpoint/2010/main" val="3498366808"/>
+        <p14:creationId xmlns:p14="http://schemas.microsoft.com/office/powerpoint/2010/main" val="1277142507"/>
       </p:ext>
     </p:extLst>
   </p:cSld>
@@ -3431,7 +3430,7 @@
     </p:spTree>
     <p:extLst>
       <p:ext uri="{BB962C8B-B14F-4D97-AF65-F5344CB8AC3E}">
-        <p14:creationId xmlns:p14="http://schemas.microsoft.com/office/powerpoint/2010/main" val="1277142507"/>
+        <p14:creationId xmlns:p14="http://schemas.microsoft.com/office/powerpoint/2010/main" val="3628075624"/>
       </p:ext>
     </p:extLst>
   </p:cSld>
@@ -3442,36 +3441,6 @@
 </file>
 
 <file path=ppt/slides/slide12.xml><?xml version="1.0" encoding="utf-8"?>
-<p:sld xmlns:a="http://schemas.openxmlformats.org/drawingml/2006/main" xmlns:r="http://schemas.openxmlformats.org/officeDocument/2006/relationships" xmlns:p="http://schemas.openxmlformats.org/presentationml/2006/main">
-  <p:cSld>
-    <p:spTree>
-      <p:nvGrpSpPr>
-        <p:cNvPr id="1" name=""/>
-        <p:cNvGrpSpPr/>
-        <p:nvPr/>
-      </p:nvGrpSpPr>
-      <p:grpSpPr>
-        <a:xfrm>
-          <a:off x="0" y="0"/>
-          <a:ext cx="0" cy="0"/>
-          <a:chOff x="0" y="0"/>
-          <a:chExt cx="0" cy="0"/>
-        </a:xfrm>
-      </p:grpSpPr>
-    </p:spTree>
-    <p:extLst>
-      <p:ext uri="{BB962C8B-B14F-4D97-AF65-F5344CB8AC3E}">
-        <p14:creationId xmlns:p14="http://schemas.microsoft.com/office/powerpoint/2010/main" val="3628075624"/>
-      </p:ext>
-    </p:extLst>
-  </p:cSld>
-  <p:clrMapOvr>
-    <a:masterClrMapping/>
-  </p:clrMapOvr>
-</p:sld>
-</file>
-
-<file path=ppt/slides/slide13.xml><?xml version="1.0" encoding="utf-8"?>
 <p:sld xmlns:a="http://schemas.openxmlformats.org/drawingml/2006/main" xmlns:r="http://schemas.openxmlformats.org/officeDocument/2006/relationships" xmlns:p="http://schemas.openxmlformats.org/presentationml/2006/main">
   <p:cSld>
     <p:spTree>
@@ -3820,10 +3789,10 @@
       </p:grpSpPr>
       <p:pic>
         <p:nvPicPr>
-          <p:cNvPr id="4" name="图片 3">
-            <a:extLst>
-              <a:ext uri="{FF2B5EF4-FFF2-40B4-BE49-F238E27FC236}">
-                <a16:creationId xmlns:a16="http://schemas.microsoft.com/office/drawing/2014/main" id="{9988D4E9-5FBC-435B-BBD2-BBBFBE6F1049}"/>
+          <p:cNvPr id="12" name="图片 11">
+            <a:extLst>
+              <a:ext uri="{FF2B5EF4-FFF2-40B4-BE49-F238E27FC236}">
+                <a16:creationId xmlns:a16="http://schemas.microsoft.com/office/drawing/2014/main" id="{FB2FA905-298F-4AAD-9EBF-04CCF83B179C}"/>
               </a:ext>
             </a:extLst>
           </p:cNvPr>
@@ -3840,8 +3809,8 @@
         </p:blipFill>
         <p:spPr>
           <a:xfrm>
-            <a:off x="1654679" y="1194622"/>
-            <a:ext cx="8882642" cy="4468755"/>
+            <a:off x="2060098" y="155164"/>
+            <a:ext cx="8071804" cy="6547671"/>
           </a:xfrm>
           <a:prstGeom prst="rect">
             <a:avLst/>
@@ -3851,7 +3820,7 @@
     </p:spTree>
     <p:extLst>
       <p:ext uri="{BB962C8B-B14F-4D97-AF65-F5344CB8AC3E}">
-        <p14:creationId xmlns:p14="http://schemas.microsoft.com/office/powerpoint/2010/main" val="2127572370"/>
+        <p14:creationId xmlns:p14="http://schemas.microsoft.com/office/powerpoint/2010/main" val="2337048375"/>
       </p:ext>
     </p:extLst>
   </p:cSld>
@@ -3880,10 +3849,10 @@
       </p:grpSpPr>
       <p:pic>
         <p:nvPicPr>
-          <p:cNvPr id="12" name="图片 11">
-            <a:extLst>
-              <a:ext uri="{FF2B5EF4-FFF2-40B4-BE49-F238E27FC236}">
-                <a16:creationId xmlns:a16="http://schemas.microsoft.com/office/drawing/2014/main" id="{FB2FA905-298F-4AAD-9EBF-04CCF83B179C}"/>
+          <p:cNvPr id="2" name="图片 1">
+            <a:extLst>
+              <a:ext uri="{FF2B5EF4-FFF2-40B4-BE49-F238E27FC236}">
+                <a16:creationId xmlns:a16="http://schemas.microsoft.com/office/drawing/2014/main" id="{1A322D3C-5306-489B-BF1B-292A2258C8E2}"/>
               </a:ext>
             </a:extLst>
           </p:cNvPr>
@@ -3900,8 +3869,8 @@
         </p:blipFill>
         <p:spPr>
           <a:xfrm>
-            <a:off x="2060098" y="155164"/>
-            <a:ext cx="8071804" cy="6547671"/>
+            <a:off x="2280705" y="1342734"/>
+            <a:ext cx="7630590" cy="4172532"/>
           </a:xfrm>
           <a:prstGeom prst="rect">
             <a:avLst/>
@@ -3911,7 +3880,7 @@
     </p:spTree>
     <p:extLst>
       <p:ext uri="{BB962C8B-B14F-4D97-AF65-F5344CB8AC3E}">
-        <p14:creationId xmlns:p14="http://schemas.microsoft.com/office/powerpoint/2010/main" val="2337048375"/>
+        <p14:creationId xmlns:p14="http://schemas.microsoft.com/office/powerpoint/2010/main" val="3498366808"/>
       </p:ext>
     </p:extLst>
   </p:cSld>

--- a/syntactic analysis design.pptx
+++ b/syntactic analysis design.pptx
@@ -13,10 +13,9 @@
     <p:sldId id="258" r:id="rId7"/>
     <p:sldId id="262" r:id="rId8"/>
     <p:sldId id="265" r:id="rId9"/>
-    <p:sldId id="263" r:id="rId10"/>
-    <p:sldId id="266" r:id="rId11"/>
-    <p:sldId id="267" r:id="rId12"/>
-    <p:sldId id="268" r:id="rId13"/>
+    <p:sldId id="268" r:id="rId10"/>
+    <p:sldId id="267" r:id="rId11"/>
+    <p:sldId id="266" r:id="rId12"/>
   </p:sldIdLst>
   <p:sldSz cx="12192000" cy="6858000"/>
   <p:notesSz cx="6858000" cy="9144000"/>
@@ -270,7 +269,7 @@
           <a:p>
             <a:fld id="{B8248D91-5226-428C-9960-7986E2C730AF}" type="datetimeFigureOut">
               <a:rPr lang="zh-CN" altLang="en-US" smtClean="0"/>
-              <a:t>2020/4/16</a:t>
+              <a:t>2020/4/17</a:t>
             </a:fld>
             <a:endParaRPr lang="zh-CN" altLang="en-US"/>
           </a:p>
@@ -468,7 +467,7 @@
           <a:p>
             <a:fld id="{B8248D91-5226-428C-9960-7986E2C730AF}" type="datetimeFigureOut">
               <a:rPr lang="zh-CN" altLang="en-US" smtClean="0"/>
-              <a:t>2020/4/16</a:t>
+              <a:t>2020/4/17</a:t>
             </a:fld>
             <a:endParaRPr lang="zh-CN" altLang="en-US"/>
           </a:p>
@@ -676,7 +675,7 @@
           <a:p>
             <a:fld id="{B8248D91-5226-428C-9960-7986E2C730AF}" type="datetimeFigureOut">
               <a:rPr lang="zh-CN" altLang="en-US" smtClean="0"/>
-              <a:t>2020/4/16</a:t>
+              <a:t>2020/4/17</a:t>
             </a:fld>
             <a:endParaRPr lang="zh-CN" altLang="en-US"/>
           </a:p>
@@ -874,7 +873,7 @@
           <a:p>
             <a:fld id="{B8248D91-5226-428C-9960-7986E2C730AF}" type="datetimeFigureOut">
               <a:rPr lang="zh-CN" altLang="en-US" smtClean="0"/>
-              <a:t>2020/4/16</a:t>
+              <a:t>2020/4/17</a:t>
             </a:fld>
             <a:endParaRPr lang="zh-CN" altLang="en-US"/>
           </a:p>
@@ -1149,7 +1148,7 @@
           <a:p>
             <a:fld id="{B8248D91-5226-428C-9960-7986E2C730AF}" type="datetimeFigureOut">
               <a:rPr lang="zh-CN" altLang="en-US" smtClean="0"/>
-              <a:t>2020/4/16</a:t>
+              <a:t>2020/4/17</a:t>
             </a:fld>
             <a:endParaRPr lang="zh-CN" altLang="en-US"/>
           </a:p>
@@ -1414,7 +1413,7 @@
           <a:p>
             <a:fld id="{B8248D91-5226-428C-9960-7986E2C730AF}" type="datetimeFigureOut">
               <a:rPr lang="zh-CN" altLang="en-US" smtClean="0"/>
-              <a:t>2020/4/16</a:t>
+              <a:t>2020/4/17</a:t>
             </a:fld>
             <a:endParaRPr lang="zh-CN" altLang="en-US"/>
           </a:p>
@@ -1826,7 +1825,7 @@
           <a:p>
             <a:fld id="{B8248D91-5226-428C-9960-7986E2C730AF}" type="datetimeFigureOut">
               <a:rPr lang="zh-CN" altLang="en-US" smtClean="0"/>
-              <a:t>2020/4/16</a:t>
+              <a:t>2020/4/17</a:t>
             </a:fld>
             <a:endParaRPr lang="zh-CN" altLang="en-US"/>
           </a:p>
@@ -1967,7 +1966,7 @@
           <a:p>
             <a:fld id="{B8248D91-5226-428C-9960-7986E2C730AF}" type="datetimeFigureOut">
               <a:rPr lang="zh-CN" altLang="en-US" smtClean="0"/>
-              <a:t>2020/4/16</a:t>
+              <a:t>2020/4/17</a:t>
             </a:fld>
             <a:endParaRPr lang="zh-CN" altLang="en-US"/>
           </a:p>
@@ -2080,7 +2079,7 @@
           <a:p>
             <a:fld id="{B8248D91-5226-428C-9960-7986E2C730AF}" type="datetimeFigureOut">
               <a:rPr lang="zh-CN" altLang="en-US" smtClean="0"/>
-              <a:t>2020/4/16</a:t>
+              <a:t>2020/4/17</a:t>
             </a:fld>
             <a:endParaRPr lang="zh-CN" altLang="en-US"/>
           </a:p>
@@ -2391,7 +2390,7 @@
           <a:p>
             <a:fld id="{B8248D91-5226-428C-9960-7986E2C730AF}" type="datetimeFigureOut">
               <a:rPr lang="zh-CN" altLang="en-US" smtClean="0"/>
-              <a:t>2020/4/16</a:t>
+              <a:t>2020/4/17</a:t>
             </a:fld>
             <a:endParaRPr lang="zh-CN" altLang="en-US"/>
           </a:p>
@@ -2679,7 +2678,7 @@
           <a:p>
             <a:fld id="{B8248D91-5226-428C-9960-7986E2C730AF}" type="datetimeFigureOut">
               <a:rPr lang="zh-CN" altLang="en-US" smtClean="0"/>
-              <a:t>2020/4/16</a:t>
+              <a:t>2020/4/17</a:t>
             </a:fld>
             <a:endParaRPr lang="zh-CN" altLang="en-US"/>
           </a:p>
@@ -2920,7 +2919,7 @@
           <a:p>
             <a:fld id="{B8248D91-5226-428C-9960-7986E2C730AF}" type="datetimeFigureOut">
               <a:rPr lang="zh-CN" altLang="en-US" smtClean="0"/>
-              <a:t>2020/4/16</a:t>
+              <a:t>2020/4/17</a:t>
             </a:fld>
             <a:endParaRPr lang="zh-CN" altLang="en-US"/>
           </a:p>
@@ -3397,10 +3396,40 @@
           <a:chExt cx="0" cy="0"/>
         </a:xfrm>
       </p:grpSpPr>
+      <p:pic>
+        <p:nvPicPr>
+          <p:cNvPr id="5" name="图片 4">
+            <a:extLst>
+              <a:ext uri="{FF2B5EF4-FFF2-40B4-BE49-F238E27FC236}">
+                <a16:creationId xmlns:a16="http://schemas.microsoft.com/office/drawing/2014/main" id="{FD0B5D25-1BB8-45AD-BBC1-CA74089746AE}"/>
+              </a:ext>
+            </a:extLst>
+          </p:cNvPr>
+          <p:cNvPicPr>
+            <a:picLocks noChangeAspect="1"/>
+          </p:cNvPicPr>
+          <p:nvPr/>
+        </p:nvPicPr>
+        <p:blipFill>
+          <a:blip r:embed="rId2"/>
+          <a:stretch>
+            <a:fillRect/>
+          </a:stretch>
+        </p:blipFill>
+        <p:spPr>
+          <a:xfrm>
+            <a:off x="922747" y="215606"/>
+            <a:ext cx="10346506" cy="6426788"/>
+          </a:xfrm>
+          <a:prstGeom prst="rect">
+            <a:avLst/>
+          </a:prstGeom>
+        </p:spPr>
+      </p:pic>
     </p:spTree>
     <p:extLst>
       <p:ext uri="{BB962C8B-B14F-4D97-AF65-F5344CB8AC3E}">
-        <p14:creationId xmlns:p14="http://schemas.microsoft.com/office/powerpoint/2010/main" val="1277142507"/>
+        <p14:creationId xmlns:p14="http://schemas.microsoft.com/office/powerpoint/2010/main" val="3628075624"/>
       </p:ext>
     </p:extLst>
   </p:cSld>
@@ -3427,40 +3456,40 @@
           <a:chExt cx="0" cy="0"/>
         </a:xfrm>
       </p:grpSpPr>
+      <p:pic>
+        <p:nvPicPr>
+          <p:cNvPr id="2" name="图片 1">
+            <a:extLst>
+              <a:ext uri="{FF2B5EF4-FFF2-40B4-BE49-F238E27FC236}">
+                <a16:creationId xmlns:a16="http://schemas.microsoft.com/office/drawing/2014/main" id="{395A0E60-2C97-4F70-B295-A465B96EEEEF}"/>
+              </a:ext>
+            </a:extLst>
+          </p:cNvPr>
+          <p:cNvPicPr>
+            <a:picLocks noChangeAspect="1"/>
+          </p:cNvPicPr>
+          <p:nvPr/>
+        </p:nvPicPr>
+        <p:blipFill>
+          <a:blip r:embed="rId2"/>
+          <a:stretch>
+            <a:fillRect/>
+          </a:stretch>
+        </p:blipFill>
+        <p:spPr>
+          <a:xfrm>
+            <a:off x="508880" y="231073"/>
+            <a:ext cx="11028886" cy="6153102"/>
+          </a:xfrm>
+          <a:prstGeom prst="rect">
+            <a:avLst/>
+          </a:prstGeom>
+        </p:spPr>
+      </p:pic>
     </p:spTree>
     <p:extLst>
       <p:ext uri="{BB962C8B-B14F-4D97-AF65-F5344CB8AC3E}">
-        <p14:creationId xmlns:p14="http://schemas.microsoft.com/office/powerpoint/2010/main" val="3628075624"/>
-      </p:ext>
-    </p:extLst>
-  </p:cSld>
-  <p:clrMapOvr>
-    <a:masterClrMapping/>
-  </p:clrMapOvr>
-</p:sld>
-</file>
-
-<file path=ppt/slides/slide12.xml><?xml version="1.0" encoding="utf-8"?>
-<p:sld xmlns:a="http://schemas.openxmlformats.org/drawingml/2006/main" xmlns:r="http://schemas.openxmlformats.org/officeDocument/2006/relationships" xmlns:p="http://schemas.openxmlformats.org/presentationml/2006/main">
-  <p:cSld>
-    <p:spTree>
-      <p:nvGrpSpPr>
-        <p:cNvPr id="1" name=""/>
-        <p:cNvGrpSpPr/>
-        <p:nvPr/>
-      </p:nvGrpSpPr>
-      <p:grpSpPr>
-        <a:xfrm>
-          <a:off x="0" y="0"/>
-          <a:ext cx="0" cy="0"/>
-          <a:chOff x="0" y="0"/>
-          <a:chExt cx="0" cy="0"/>
-        </a:xfrm>
-      </p:grpSpPr>
-    </p:spTree>
-    <p:extLst>
-      <p:ext uri="{BB962C8B-B14F-4D97-AF65-F5344CB8AC3E}">
-        <p14:creationId xmlns:p14="http://schemas.microsoft.com/office/powerpoint/2010/main" val="1358910036"/>
+        <p14:creationId xmlns:p14="http://schemas.microsoft.com/office/powerpoint/2010/main" val="1277142507"/>
       </p:ext>
     </p:extLst>
   </p:cSld>
@@ -3869,8 +3898,8 @@
         </p:blipFill>
         <p:spPr>
           <a:xfrm>
-            <a:off x="2280705" y="1342734"/>
-            <a:ext cx="7630590" cy="4172532"/>
+            <a:off x="618160" y="661091"/>
+            <a:ext cx="10192550" cy="5573454"/>
           </a:xfrm>
           <a:prstGeom prst="rect">
             <a:avLst/>
@@ -3907,144 +3936,40 @@
           <a:chExt cx="0" cy="0"/>
         </a:xfrm>
       </p:grpSpPr>
-      <p:sp>
-        <p:nvSpPr>
-          <p:cNvPr id="2" name="文本框 1">
-            <a:extLst>
-              <a:ext uri="{FF2B5EF4-FFF2-40B4-BE49-F238E27FC236}">
-                <a16:creationId xmlns:a16="http://schemas.microsoft.com/office/drawing/2014/main" id="{E8873AC7-4AA3-48AD-98F3-6B7B3FF5B00D}"/>
-              </a:ext>
-            </a:extLst>
-          </p:cNvPr>
-          <p:cNvSpPr txBox="1"/>
+      <p:pic>
+        <p:nvPicPr>
+          <p:cNvPr id="2" name="图片 1">
+            <a:extLst>
+              <a:ext uri="{FF2B5EF4-FFF2-40B4-BE49-F238E27FC236}">
+                <a16:creationId xmlns:a16="http://schemas.microsoft.com/office/drawing/2014/main" id="{3C14941D-9484-4EA2-97BC-D578A65ADC60}"/>
+              </a:ext>
+            </a:extLst>
+          </p:cNvPr>
+          <p:cNvPicPr>
+            <a:picLocks noChangeAspect="1"/>
+          </p:cNvPicPr>
           <p:nvPr/>
-        </p:nvSpPr>
+        </p:nvPicPr>
+        <p:blipFill>
+          <a:blip r:embed="rId2"/>
+          <a:stretch>
+            <a:fillRect/>
+          </a:stretch>
+        </p:blipFill>
         <p:spPr>
           <a:xfrm>
-            <a:off x="0" y="0"/>
-            <a:ext cx="1165123" cy="369332"/>
+            <a:off x="649914" y="336900"/>
+            <a:ext cx="10892172" cy="6184200"/>
           </a:xfrm>
           <a:prstGeom prst="rect">
             <a:avLst/>
           </a:prstGeom>
-          <a:noFill/>
         </p:spPr>
-        <p:txBody>
-          <a:bodyPr wrap="square" rtlCol="0">
-            <a:spAutoFit/>
-          </a:bodyPr>
-          <a:lstStyle/>
-          <a:p>
-            <a:pPr defTabSz="360000"/>
-            <a:r>
-              <a:rPr lang="zh-CN" altLang="en-US">
-                <a:latin typeface="Consolas" panose="020B0609020204030204" pitchFamily="49" charset="0"/>
-                <a:ea typeface="微软雅黑" panose="020B0503020204020204" pitchFamily="34" charset="-122"/>
-              </a:rPr>
-              <a:t>语法</a:t>
-            </a:r>
-          </a:p>
-        </p:txBody>
-      </p:sp>
-      <p:sp>
-        <p:nvSpPr>
-          <p:cNvPr id="3" name="文本框 2">
-            <a:extLst>
-              <a:ext uri="{FF2B5EF4-FFF2-40B4-BE49-F238E27FC236}">
-                <a16:creationId xmlns:a16="http://schemas.microsoft.com/office/drawing/2014/main" id="{54163D5D-049C-4914-BEFD-5227C046C127}"/>
-              </a:ext>
-            </a:extLst>
-          </p:cNvPr>
-          <p:cNvSpPr txBox="1"/>
-          <p:nvPr/>
-        </p:nvSpPr>
-        <p:spPr>
-          <a:xfrm>
-            <a:off x="582561" y="535858"/>
-            <a:ext cx="11363634" cy="646331"/>
-          </a:xfrm>
-          <a:prstGeom prst="rect">
-            <a:avLst/>
-          </a:prstGeom>
-          <a:noFill/>
-        </p:spPr>
-        <p:txBody>
-          <a:bodyPr wrap="square" rtlCol="0">
-            <a:spAutoFit/>
-          </a:bodyPr>
-          <a:lstStyle/>
-          <a:p>
-            <a:pPr defTabSz="360000"/>
-            <a:r>
-              <a:rPr lang="zh-CN" altLang="en-US">
-                <a:latin typeface="Consolas" panose="020B0609020204030204" pitchFamily="49" charset="0"/>
-                <a:ea typeface="微软雅黑" panose="020B0503020204020204" pitchFamily="34" charset="-122"/>
-              </a:rPr>
-              <a:t>仿照老师给的参考示例里面的</a:t>
-            </a:r>
-            <a:r>
-              <a:rPr lang="en-US" altLang="zh-CN">
-                <a:latin typeface="Consolas" panose="020B0609020204030204" pitchFamily="49" charset="0"/>
-                <a:ea typeface="微软雅黑" panose="020B0503020204020204" pitchFamily="34" charset="-122"/>
-              </a:rPr>
-              <a:t>LL</a:t>
-            </a:r>
-            <a:r>
-              <a:rPr lang="zh-CN" altLang="en-US">
-                <a:latin typeface="Consolas" panose="020B0609020204030204" pitchFamily="49" charset="0"/>
-                <a:ea typeface="微软雅黑" panose="020B0503020204020204" pitchFamily="34" charset="-122"/>
-              </a:rPr>
-              <a:t>（</a:t>
-            </a:r>
-            <a:r>
-              <a:rPr lang="en-US" altLang="zh-CN">
-                <a:latin typeface="Consolas" panose="020B0609020204030204" pitchFamily="49" charset="0"/>
-                <a:ea typeface="微软雅黑" panose="020B0503020204020204" pitchFamily="34" charset="-122"/>
-              </a:rPr>
-              <a:t>1</a:t>
-            </a:r>
-            <a:r>
-              <a:rPr lang="zh-CN" altLang="en-US">
-                <a:latin typeface="Consolas" panose="020B0609020204030204" pitchFamily="49" charset="0"/>
-                <a:ea typeface="微软雅黑" panose="020B0503020204020204" pitchFamily="34" charset="-122"/>
-              </a:rPr>
-              <a:t>）文法构建，但是因为造出来的很可能不符合</a:t>
-            </a:r>
-            <a:r>
-              <a:rPr lang="en-US" altLang="zh-CN">
-                <a:latin typeface="Consolas" panose="020B0609020204030204" pitchFamily="49" charset="0"/>
-                <a:ea typeface="微软雅黑" panose="020B0503020204020204" pitchFamily="34" charset="-122"/>
-              </a:rPr>
-              <a:t>LL</a:t>
-            </a:r>
-            <a:r>
-              <a:rPr lang="zh-CN" altLang="en-US">
-                <a:latin typeface="Consolas" panose="020B0609020204030204" pitchFamily="49" charset="0"/>
-                <a:ea typeface="微软雅黑" panose="020B0503020204020204" pitchFamily="34" charset="-122"/>
-              </a:rPr>
-              <a:t>（</a:t>
-            </a:r>
-            <a:r>
-              <a:rPr lang="en-US" altLang="zh-CN">
-                <a:latin typeface="Consolas" panose="020B0609020204030204" pitchFamily="49" charset="0"/>
-                <a:ea typeface="微软雅黑" panose="020B0503020204020204" pitchFamily="34" charset="-122"/>
-              </a:rPr>
-              <a:t>1</a:t>
-            </a:r>
-            <a:r>
-              <a:rPr lang="zh-CN" altLang="en-US">
-                <a:latin typeface="Consolas" panose="020B0609020204030204" pitchFamily="49" charset="0"/>
-                <a:ea typeface="微软雅黑" panose="020B0503020204020204" pitchFamily="34" charset="-122"/>
-              </a:rPr>
-              <a:t>）文法的要求，所以估计后续还得修改。</a:t>
-            </a:r>
-          </a:p>
-        </p:txBody>
-      </p:sp>
+      </p:pic>
     </p:spTree>
     <p:extLst>
       <p:ext uri="{BB962C8B-B14F-4D97-AF65-F5344CB8AC3E}">
-        <p14:creationId xmlns:p14="http://schemas.microsoft.com/office/powerpoint/2010/main" val="1505387659"/>
+        <p14:creationId xmlns:p14="http://schemas.microsoft.com/office/powerpoint/2010/main" val="1358910036"/>
       </p:ext>
     </p:extLst>
   </p:cSld>
